--- a/img/workshop.pptx
+++ b/img/workshop.pptx
@@ -8971,6 +8971,801 @@
           </p:spPr>
         </p:pic>
       </p:grpSp>
+      <p:sp>
+        <p:nvSpPr>
+          <p:cNvPr id="7" name="Freeform: Shape 6">
+            <a:extLst>
+              <a:ext uri="{FF2B5EF4-FFF2-40B4-BE49-F238E27FC236}">
+                <a16:creationId xmlns:a16="http://schemas.microsoft.com/office/drawing/2014/main" id="{937CC34F-581F-96B1-DB4E-3F3E89194A15}"/>
+              </a:ext>
+            </a:extLst>
+          </p:cNvPr>
+          <p:cNvSpPr/>
+          <p:nvPr/>
+        </p:nvSpPr>
+        <p:spPr>
+          <a:xfrm>
+            <a:off x="4945503" y="3978119"/>
+            <a:ext cx="428603" cy="819306"/>
+          </a:xfrm>
+          <a:custGeom>
+            <a:avLst/>
+            <a:gdLst>
+              <a:gd name="connsiteX0" fmla="*/ 251972 w 428603"/>
+              <a:gd name="connsiteY0" fmla="*/ 63656 h 819306"/>
+              <a:gd name="connsiteX1" fmla="*/ 236097 w 428603"/>
+              <a:gd name="connsiteY1" fmla="*/ 57306 h 819306"/>
+              <a:gd name="connsiteX2" fmla="*/ 223397 w 428603"/>
+              <a:gd name="connsiteY2" fmla="*/ 50956 h 819306"/>
+              <a:gd name="connsiteX3" fmla="*/ 169422 w 428603"/>
+              <a:gd name="connsiteY3" fmla="*/ 54131 h 819306"/>
+              <a:gd name="connsiteX4" fmla="*/ 159897 w 428603"/>
+              <a:gd name="connsiteY4" fmla="*/ 60481 h 819306"/>
+              <a:gd name="connsiteX5" fmla="*/ 156722 w 428603"/>
+              <a:gd name="connsiteY5" fmla="*/ 70006 h 819306"/>
+              <a:gd name="connsiteX6" fmla="*/ 147197 w 428603"/>
+              <a:gd name="connsiteY6" fmla="*/ 85881 h 819306"/>
+              <a:gd name="connsiteX7" fmla="*/ 134497 w 428603"/>
+              <a:gd name="connsiteY7" fmla="*/ 111281 h 819306"/>
+              <a:gd name="connsiteX8" fmla="*/ 137672 w 428603"/>
+              <a:gd name="connsiteY8" fmla="*/ 136681 h 819306"/>
+              <a:gd name="connsiteX9" fmla="*/ 144022 w 428603"/>
+              <a:gd name="connsiteY9" fmla="*/ 158906 h 819306"/>
+              <a:gd name="connsiteX10" fmla="*/ 140847 w 428603"/>
+              <a:gd name="connsiteY10" fmla="*/ 190656 h 819306"/>
+              <a:gd name="connsiteX11" fmla="*/ 128147 w 428603"/>
+              <a:gd name="connsiteY11" fmla="*/ 187481 h 819306"/>
+              <a:gd name="connsiteX12" fmla="*/ 118622 w 428603"/>
+              <a:gd name="connsiteY12" fmla="*/ 177956 h 819306"/>
+              <a:gd name="connsiteX13" fmla="*/ 109097 w 428603"/>
+              <a:gd name="connsiteY13" fmla="*/ 171606 h 819306"/>
+              <a:gd name="connsiteX14" fmla="*/ 80522 w 428603"/>
+              <a:gd name="connsiteY14" fmla="*/ 181131 h 819306"/>
+              <a:gd name="connsiteX15" fmla="*/ 61472 w 428603"/>
+              <a:gd name="connsiteY15" fmla="*/ 187481 h 819306"/>
+              <a:gd name="connsiteX16" fmla="*/ 55122 w 428603"/>
+              <a:gd name="connsiteY16" fmla="*/ 197006 h 819306"/>
+              <a:gd name="connsiteX17" fmla="*/ 45597 w 428603"/>
+              <a:gd name="connsiteY17" fmla="*/ 203356 h 819306"/>
+              <a:gd name="connsiteX18" fmla="*/ 39247 w 428603"/>
+              <a:gd name="connsiteY18" fmla="*/ 219231 h 819306"/>
+              <a:gd name="connsiteX19" fmla="*/ 36072 w 428603"/>
+              <a:gd name="connsiteY19" fmla="*/ 324006 h 819306"/>
+              <a:gd name="connsiteX20" fmla="*/ 20197 w 428603"/>
+              <a:gd name="connsiteY20" fmla="*/ 349406 h 819306"/>
+              <a:gd name="connsiteX21" fmla="*/ 13847 w 428603"/>
+              <a:gd name="connsiteY21" fmla="*/ 377981 h 819306"/>
+              <a:gd name="connsiteX22" fmla="*/ 10672 w 428603"/>
+              <a:gd name="connsiteY22" fmla="*/ 390681 h 819306"/>
+              <a:gd name="connsiteX23" fmla="*/ 4322 w 428603"/>
+              <a:gd name="connsiteY23" fmla="*/ 400206 h 819306"/>
+              <a:gd name="connsiteX24" fmla="*/ 7497 w 428603"/>
+              <a:gd name="connsiteY24" fmla="*/ 498631 h 819306"/>
+              <a:gd name="connsiteX25" fmla="*/ 23372 w 428603"/>
+              <a:gd name="connsiteY25" fmla="*/ 530381 h 819306"/>
+              <a:gd name="connsiteX26" fmla="*/ 26547 w 428603"/>
+              <a:gd name="connsiteY26" fmla="*/ 546256 h 819306"/>
+              <a:gd name="connsiteX27" fmla="*/ 32897 w 428603"/>
+              <a:gd name="connsiteY27" fmla="*/ 628806 h 819306"/>
+              <a:gd name="connsiteX28" fmla="*/ 58297 w 428603"/>
+              <a:gd name="connsiteY28" fmla="*/ 666906 h 819306"/>
+              <a:gd name="connsiteX29" fmla="*/ 64647 w 428603"/>
+              <a:gd name="connsiteY29" fmla="*/ 676431 h 819306"/>
+              <a:gd name="connsiteX30" fmla="*/ 67822 w 428603"/>
+              <a:gd name="connsiteY30" fmla="*/ 685956 h 819306"/>
+              <a:gd name="connsiteX31" fmla="*/ 77347 w 428603"/>
+              <a:gd name="connsiteY31" fmla="*/ 692306 h 819306"/>
+              <a:gd name="connsiteX32" fmla="*/ 86872 w 428603"/>
+              <a:gd name="connsiteY32" fmla="*/ 701831 h 819306"/>
+              <a:gd name="connsiteX33" fmla="*/ 112272 w 428603"/>
+              <a:gd name="connsiteY33" fmla="*/ 717706 h 819306"/>
+              <a:gd name="connsiteX34" fmla="*/ 115447 w 428603"/>
+              <a:gd name="connsiteY34" fmla="*/ 727231 h 819306"/>
+              <a:gd name="connsiteX35" fmla="*/ 137672 w 428603"/>
+              <a:gd name="connsiteY35" fmla="*/ 733581 h 819306"/>
+              <a:gd name="connsiteX36" fmla="*/ 147197 w 428603"/>
+              <a:gd name="connsiteY36" fmla="*/ 739931 h 819306"/>
+              <a:gd name="connsiteX37" fmla="*/ 159897 w 428603"/>
+              <a:gd name="connsiteY37" fmla="*/ 743106 h 819306"/>
+              <a:gd name="connsiteX38" fmla="*/ 169422 w 428603"/>
+              <a:gd name="connsiteY38" fmla="*/ 752631 h 819306"/>
+              <a:gd name="connsiteX39" fmla="*/ 182122 w 428603"/>
+              <a:gd name="connsiteY39" fmla="*/ 758981 h 819306"/>
+              <a:gd name="connsiteX40" fmla="*/ 191647 w 428603"/>
+              <a:gd name="connsiteY40" fmla="*/ 765331 h 819306"/>
+              <a:gd name="connsiteX41" fmla="*/ 197997 w 428603"/>
+              <a:gd name="connsiteY41" fmla="*/ 778031 h 819306"/>
+              <a:gd name="connsiteX42" fmla="*/ 210697 w 428603"/>
+              <a:gd name="connsiteY42" fmla="*/ 784381 h 819306"/>
+              <a:gd name="connsiteX43" fmla="*/ 220222 w 428603"/>
+              <a:gd name="connsiteY43" fmla="*/ 790731 h 819306"/>
+              <a:gd name="connsiteX44" fmla="*/ 232922 w 428603"/>
+              <a:gd name="connsiteY44" fmla="*/ 800256 h 819306"/>
+              <a:gd name="connsiteX45" fmla="*/ 242447 w 428603"/>
+              <a:gd name="connsiteY45" fmla="*/ 809781 h 819306"/>
+              <a:gd name="connsiteX46" fmla="*/ 274197 w 428603"/>
+              <a:gd name="connsiteY46" fmla="*/ 819306 h 819306"/>
+              <a:gd name="connsiteX47" fmla="*/ 353572 w 428603"/>
+              <a:gd name="connsiteY47" fmla="*/ 809781 h 819306"/>
+              <a:gd name="connsiteX48" fmla="*/ 382147 w 428603"/>
+              <a:gd name="connsiteY48" fmla="*/ 790731 h 819306"/>
+              <a:gd name="connsiteX49" fmla="*/ 388497 w 428603"/>
+              <a:gd name="connsiteY49" fmla="*/ 781206 h 819306"/>
+              <a:gd name="connsiteX50" fmla="*/ 404372 w 428603"/>
+              <a:gd name="connsiteY50" fmla="*/ 749456 h 819306"/>
+              <a:gd name="connsiteX51" fmla="*/ 407547 w 428603"/>
+              <a:gd name="connsiteY51" fmla="*/ 730406 h 819306"/>
+              <a:gd name="connsiteX52" fmla="*/ 410722 w 428603"/>
+              <a:gd name="connsiteY52" fmla="*/ 685956 h 819306"/>
+              <a:gd name="connsiteX53" fmla="*/ 417072 w 428603"/>
+              <a:gd name="connsiteY53" fmla="*/ 666906 h 819306"/>
+              <a:gd name="connsiteX54" fmla="*/ 420247 w 428603"/>
+              <a:gd name="connsiteY54" fmla="*/ 654206 h 819306"/>
+              <a:gd name="connsiteX55" fmla="*/ 423422 w 428603"/>
+              <a:gd name="connsiteY55" fmla="*/ 250981 h 819306"/>
+              <a:gd name="connsiteX56" fmla="*/ 420247 w 428603"/>
+              <a:gd name="connsiteY56" fmla="*/ 235106 h 819306"/>
+              <a:gd name="connsiteX57" fmla="*/ 417072 w 428603"/>
+              <a:gd name="connsiteY57" fmla="*/ 209706 h 819306"/>
+              <a:gd name="connsiteX58" fmla="*/ 413897 w 428603"/>
+              <a:gd name="connsiteY58" fmla="*/ 117631 h 819306"/>
+              <a:gd name="connsiteX59" fmla="*/ 410722 w 428603"/>
+              <a:gd name="connsiteY59" fmla="*/ 38256 h 819306"/>
+              <a:gd name="connsiteX60" fmla="*/ 391672 w 428603"/>
+              <a:gd name="connsiteY60" fmla="*/ 28731 h 819306"/>
+              <a:gd name="connsiteX61" fmla="*/ 378972 w 428603"/>
+              <a:gd name="connsiteY61" fmla="*/ 16031 h 819306"/>
+              <a:gd name="connsiteX62" fmla="*/ 366272 w 428603"/>
+              <a:gd name="connsiteY62" fmla="*/ 12856 h 819306"/>
+              <a:gd name="connsiteX63" fmla="*/ 340872 w 428603"/>
+              <a:gd name="connsiteY63" fmla="*/ 3331 h 819306"/>
+              <a:gd name="connsiteX64" fmla="*/ 328172 w 428603"/>
+              <a:gd name="connsiteY64" fmla="*/ 156 h 819306"/>
+              <a:gd name="connsiteX65" fmla="*/ 290072 w 428603"/>
+              <a:gd name="connsiteY65" fmla="*/ 3331 h 819306"/>
+              <a:gd name="connsiteX66" fmla="*/ 283722 w 428603"/>
+              <a:gd name="connsiteY66" fmla="*/ 22381 h 819306"/>
+              <a:gd name="connsiteX67" fmla="*/ 277372 w 428603"/>
+              <a:gd name="connsiteY67" fmla="*/ 35081 h 819306"/>
+              <a:gd name="connsiteX68" fmla="*/ 267847 w 428603"/>
+              <a:gd name="connsiteY68" fmla="*/ 50956 h 819306"/>
+              <a:gd name="connsiteX69" fmla="*/ 251972 w 428603"/>
+              <a:gd name="connsiteY69" fmla="*/ 63656 h 819306"/>
+            </a:gdLst>
+            <a:ahLst/>
+            <a:cxnLst>
+              <a:cxn ang="0">
+                <a:pos x="connsiteX0" y="connsiteY0"/>
+              </a:cxn>
+              <a:cxn ang="0">
+                <a:pos x="connsiteX1" y="connsiteY1"/>
+              </a:cxn>
+              <a:cxn ang="0">
+                <a:pos x="connsiteX2" y="connsiteY2"/>
+              </a:cxn>
+              <a:cxn ang="0">
+                <a:pos x="connsiteX3" y="connsiteY3"/>
+              </a:cxn>
+              <a:cxn ang="0">
+                <a:pos x="connsiteX4" y="connsiteY4"/>
+              </a:cxn>
+              <a:cxn ang="0">
+                <a:pos x="connsiteX5" y="connsiteY5"/>
+              </a:cxn>
+              <a:cxn ang="0">
+                <a:pos x="connsiteX6" y="connsiteY6"/>
+              </a:cxn>
+              <a:cxn ang="0">
+                <a:pos x="connsiteX7" y="connsiteY7"/>
+              </a:cxn>
+              <a:cxn ang="0">
+                <a:pos x="connsiteX8" y="connsiteY8"/>
+              </a:cxn>
+              <a:cxn ang="0">
+                <a:pos x="connsiteX9" y="connsiteY9"/>
+              </a:cxn>
+              <a:cxn ang="0">
+                <a:pos x="connsiteX10" y="connsiteY10"/>
+              </a:cxn>
+              <a:cxn ang="0">
+                <a:pos x="connsiteX11" y="connsiteY11"/>
+              </a:cxn>
+              <a:cxn ang="0">
+                <a:pos x="connsiteX12" y="connsiteY12"/>
+              </a:cxn>
+              <a:cxn ang="0">
+                <a:pos x="connsiteX13" y="connsiteY13"/>
+              </a:cxn>
+              <a:cxn ang="0">
+                <a:pos x="connsiteX14" y="connsiteY14"/>
+              </a:cxn>
+              <a:cxn ang="0">
+                <a:pos x="connsiteX15" y="connsiteY15"/>
+              </a:cxn>
+              <a:cxn ang="0">
+                <a:pos x="connsiteX16" y="connsiteY16"/>
+              </a:cxn>
+              <a:cxn ang="0">
+                <a:pos x="connsiteX17" y="connsiteY17"/>
+              </a:cxn>
+              <a:cxn ang="0">
+                <a:pos x="connsiteX18" y="connsiteY18"/>
+              </a:cxn>
+              <a:cxn ang="0">
+                <a:pos x="connsiteX19" y="connsiteY19"/>
+              </a:cxn>
+              <a:cxn ang="0">
+                <a:pos x="connsiteX20" y="connsiteY20"/>
+              </a:cxn>
+              <a:cxn ang="0">
+                <a:pos x="connsiteX21" y="connsiteY21"/>
+              </a:cxn>
+              <a:cxn ang="0">
+                <a:pos x="connsiteX22" y="connsiteY22"/>
+              </a:cxn>
+              <a:cxn ang="0">
+                <a:pos x="connsiteX23" y="connsiteY23"/>
+              </a:cxn>
+              <a:cxn ang="0">
+                <a:pos x="connsiteX24" y="connsiteY24"/>
+              </a:cxn>
+              <a:cxn ang="0">
+                <a:pos x="connsiteX25" y="connsiteY25"/>
+              </a:cxn>
+              <a:cxn ang="0">
+                <a:pos x="connsiteX26" y="connsiteY26"/>
+              </a:cxn>
+              <a:cxn ang="0">
+                <a:pos x="connsiteX27" y="connsiteY27"/>
+              </a:cxn>
+              <a:cxn ang="0">
+                <a:pos x="connsiteX28" y="connsiteY28"/>
+              </a:cxn>
+              <a:cxn ang="0">
+                <a:pos x="connsiteX29" y="connsiteY29"/>
+              </a:cxn>
+              <a:cxn ang="0">
+                <a:pos x="connsiteX30" y="connsiteY30"/>
+              </a:cxn>
+              <a:cxn ang="0">
+                <a:pos x="connsiteX31" y="connsiteY31"/>
+              </a:cxn>
+              <a:cxn ang="0">
+                <a:pos x="connsiteX32" y="connsiteY32"/>
+              </a:cxn>
+              <a:cxn ang="0">
+                <a:pos x="connsiteX33" y="connsiteY33"/>
+              </a:cxn>
+              <a:cxn ang="0">
+                <a:pos x="connsiteX34" y="connsiteY34"/>
+              </a:cxn>
+              <a:cxn ang="0">
+                <a:pos x="connsiteX35" y="connsiteY35"/>
+              </a:cxn>
+              <a:cxn ang="0">
+                <a:pos x="connsiteX36" y="connsiteY36"/>
+              </a:cxn>
+              <a:cxn ang="0">
+                <a:pos x="connsiteX37" y="connsiteY37"/>
+              </a:cxn>
+              <a:cxn ang="0">
+                <a:pos x="connsiteX38" y="connsiteY38"/>
+              </a:cxn>
+              <a:cxn ang="0">
+                <a:pos x="connsiteX39" y="connsiteY39"/>
+              </a:cxn>
+              <a:cxn ang="0">
+                <a:pos x="connsiteX40" y="connsiteY40"/>
+              </a:cxn>
+              <a:cxn ang="0">
+                <a:pos x="connsiteX41" y="connsiteY41"/>
+              </a:cxn>
+              <a:cxn ang="0">
+                <a:pos x="connsiteX42" y="connsiteY42"/>
+              </a:cxn>
+              <a:cxn ang="0">
+                <a:pos x="connsiteX43" y="connsiteY43"/>
+              </a:cxn>
+              <a:cxn ang="0">
+                <a:pos x="connsiteX44" y="connsiteY44"/>
+              </a:cxn>
+              <a:cxn ang="0">
+                <a:pos x="connsiteX45" y="connsiteY45"/>
+              </a:cxn>
+              <a:cxn ang="0">
+                <a:pos x="connsiteX46" y="connsiteY46"/>
+              </a:cxn>
+              <a:cxn ang="0">
+                <a:pos x="connsiteX47" y="connsiteY47"/>
+              </a:cxn>
+              <a:cxn ang="0">
+                <a:pos x="connsiteX48" y="connsiteY48"/>
+              </a:cxn>
+              <a:cxn ang="0">
+                <a:pos x="connsiteX49" y="connsiteY49"/>
+              </a:cxn>
+              <a:cxn ang="0">
+                <a:pos x="connsiteX50" y="connsiteY50"/>
+              </a:cxn>
+              <a:cxn ang="0">
+                <a:pos x="connsiteX51" y="connsiteY51"/>
+              </a:cxn>
+              <a:cxn ang="0">
+                <a:pos x="connsiteX52" y="connsiteY52"/>
+              </a:cxn>
+              <a:cxn ang="0">
+                <a:pos x="connsiteX53" y="connsiteY53"/>
+              </a:cxn>
+              <a:cxn ang="0">
+                <a:pos x="connsiteX54" y="connsiteY54"/>
+              </a:cxn>
+              <a:cxn ang="0">
+                <a:pos x="connsiteX55" y="connsiteY55"/>
+              </a:cxn>
+              <a:cxn ang="0">
+                <a:pos x="connsiteX56" y="connsiteY56"/>
+              </a:cxn>
+              <a:cxn ang="0">
+                <a:pos x="connsiteX57" y="connsiteY57"/>
+              </a:cxn>
+              <a:cxn ang="0">
+                <a:pos x="connsiteX58" y="connsiteY58"/>
+              </a:cxn>
+              <a:cxn ang="0">
+                <a:pos x="connsiteX59" y="connsiteY59"/>
+              </a:cxn>
+              <a:cxn ang="0">
+                <a:pos x="connsiteX60" y="connsiteY60"/>
+              </a:cxn>
+              <a:cxn ang="0">
+                <a:pos x="connsiteX61" y="connsiteY61"/>
+              </a:cxn>
+              <a:cxn ang="0">
+                <a:pos x="connsiteX62" y="connsiteY62"/>
+              </a:cxn>
+              <a:cxn ang="0">
+                <a:pos x="connsiteX63" y="connsiteY63"/>
+              </a:cxn>
+              <a:cxn ang="0">
+                <a:pos x="connsiteX64" y="connsiteY64"/>
+              </a:cxn>
+              <a:cxn ang="0">
+                <a:pos x="connsiteX65" y="connsiteY65"/>
+              </a:cxn>
+              <a:cxn ang="0">
+                <a:pos x="connsiteX66" y="connsiteY66"/>
+              </a:cxn>
+              <a:cxn ang="0">
+                <a:pos x="connsiteX67" y="connsiteY67"/>
+              </a:cxn>
+              <a:cxn ang="0">
+                <a:pos x="connsiteX68" y="connsiteY68"/>
+              </a:cxn>
+              <a:cxn ang="0">
+                <a:pos x="connsiteX69" y="connsiteY69"/>
+              </a:cxn>
+            </a:cxnLst>
+            <a:rect l="l" t="t" r="r" b="b"/>
+            <a:pathLst>
+              <a:path w="428603" h="819306">
+                <a:moveTo>
+                  <a:pt x="251972" y="63656"/>
+                </a:moveTo>
+                <a:cubicBezTo>
+                  <a:pt x="246681" y="64714"/>
+                  <a:pt x="241305" y="59621"/>
+                  <a:pt x="236097" y="57306"/>
+                </a:cubicBezTo>
+                <a:cubicBezTo>
+                  <a:pt x="231772" y="55384"/>
+                  <a:pt x="228125" y="51181"/>
+                  <a:pt x="223397" y="50956"/>
+                </a:cubicBezTo>
+                <a:cubicBezTo>
+                  <a:pt x="205395" y="50099"/>
+                  <a:pt x="187414" y="53073"/>
+                  <a:pt x="169422" y="54131"/>
+                </a:cubicBezTo>
+                <a:cubicBezTo>
+                  <a:pt x="166247" y="56248"/>
+                  <a:pt x="162281" y="57501"/>
+                  <a:pt x="159897" y="60481"/>
+                </a:cubicBezTo>
+                <a:cubicBezTo>
+                  <a:pt x="157806" y="63094"/>
+                  <a:pt x="158219" y="67013"/>
+                  <a:pt x="156722" y="70006"/>
+                </a:cubicBezTo>
+                <a:cubicBezTo>
+                  <a:pt x="153962" y="75526"/>
+                  <a:pt x="150123" y="80448"/>
+                  <a:pt x="147197" y="85881"/>
+                </a:cubicBezTo>
+                <a:cubicBezTo>
+                  <a:pt x="142709" y="94216"/>
+                  <a:pt x="134497" y="111281"/>
+                  <a:pt x="134497" y="111281"/>
+                </a:cubicBezTo>
+                <a:cubicBezTo>
+                  <a:pt x="135555" y="119748"/>
+                  <a:pt x="136269" y="128265"/>
+                  <a:pt x="137672" y="136681"/>
+                </a:cubicBezTo>
+                <a:cubicBezTo>
+                  <a:pt x="139001" y="144654"/>
+                  <a:pt x="141506" y="151357"/>
+                  <a:pt x="144022" y="158906"/>
+                </a:cubicBezTo>
+                <a:cubicBezTo>
+                  <a:pt x="142964" y="169489"/>
+                  <a:pt x="146012" y="181358"/>
+                  <a:pt x="140847" y="190656"/>
+                </a:cubicBezTo>
+                <a:cubicBezTo>
+                  <a:pt x="138728" y="194470"/>
+                  <a:pt x="131936" y="189646"/>
+                  <a:pt x="128147" y="187481"/>
+                </a:cubicBezTo>
+                <a:cubicBezTo>
+                  <a:pt x="124248" y="185253"/>
+                  <a:pt x="122071" y="180831"/>
+                  <a:pt x="118622" y="177956"/>
+                </a:cubicBezTo>
+                <a:cubicBezTo>
+                  <a:pt x="115691" y="175513"/>
+                  <a:pt x="112272" y="173723"/>
+                  <a:pt x="109097" y="171606"/>
+                </a:cubicBezTo>
+                <a:cubicBezTo>
+                  <a:pt x="66198" y="178756"/>
+                  <a:pt x="107309" y="169226"/>
+                  <a:pt x="80522" y="181131"/>
+                </a:cubicBezTo>
+                <a:cubicBezTo>
+                  <a:pt x="74405" y="183849"/>
+                  <a:pt x="61472" y="187481"/>
+                  <a:pt x="61472" y="187481"/>
+                </a:cubicBezTo>
+                <a:cubicBezTo>
+                  <a:pt x="59355" y="190656"/>
+                  <a:pt x="57820" y="194308"/>
+                  <a:pt x="55122" y="197006"/>
+                </a:cubicBezTo>
+                <a:cubicBezTo>
+                  <a:pt x="52424" y="199704"/>
+                  <a:pt x="47815" y="200251"/>
+                  <a:pt x="45597" y="203356"/>
+                </a:cubicBezTo>
+                <a:cubicBezTo>
+                  <a:pt x="42284" y="207994"/>
+                  <a:pt x="41364" y="213939"/>
+                  <a:pt x="39247" y="219231"/>
+                </a:cubicBezTo>
+                <a:cubicBezTo>
+                  <a:pt x="41472" y="261504"/>
+                  <a:pt x="46561" y="284149"/>
+                  <a:pt x="36072" y="324006"/>
+                </a:cubicBezTo>
+                <a:cubicBezTo>
+                  <a:pt x="35240" y="327169"/>
+                  <a:pt x="23381" y="344630"/>
+                  <a:pt x="20197" y="349406"/>
+                </a:cubicBezTo>
+                <a:cubicBezTo>
+                  <a:pt x="14467" y="383785"/>
+                  <a:pt x="20100" y="356096"/>
+                  <a:pt x="13847" y="377981"/>
+                </a:cubicBezTo>
+                <a:cubicBezTo>
+                  <a:pt x="12648" y="382177"/>
+                  <a:pt x="12391" y="386670"/>
+                  <a:pt x="10672" y="390681"/>
+                </a:cubicBezTo>
+                <a:cubicBezTo>
+                  <a:pt x="9169" y="394188"/>
+                  <a:pt x="6439" y="397031"/>
+                  <a:pt x="4322" y="400206"/>
+                </a:cubicBezTo>
+                <a:cubicBezTo>
+                  <a:pt x="-562" y="439281"/>
+                  <a:pt x="-3376" y="447374"/>
+                  <a:pt x="7497" y="498631"/>
+                </a:cubicBezTo>
+                <a:cubicBezTo>
+                  <a:pt x="9952" y="510206"/>
+                  <a:pt x="23372" y="530381"/>
+                  <a:pt x="23372" y="530381"/>
+                </a:cubicBezTo>
+                <a:cubicBezTo>
+                  <a:pt x="24430" y="535673"/>
+                  <a:pt x="26027" y="540885"/>
+                  <a:pt x="26547" y="546256"/>
+                </a:cubicBezTo>
+                <a:cubicBezTo>
+                  <a:pt x="29205" y="573726"/>
+                  <a:pt x="29474" y="601421"/>
+                  <a:pt x="32897" y="628806"/>
+                </a:cubicBezTo>
+                <a:cubicBezTo>
+                  <a:pt x="36381" y="656681"/>
+                  <a:pt x="42169" y="642714"/>
+                  <a:pt x="58297" y="666906"/>
+                </a:cubicBezTo>
+                <a:cubicBezTo>
+                  <a:pt x="60414" y="670081"/>
+                  <a:pt x="62940" y="673018"/>
+                  <a:pt x="64647" y="676431"/>
+                </a:cubicBezTo>
+                <a:cubicBezTo>
+                  <a:pt x="66144" y="679424"/>
+                  <a:pt x="65731" y="683343"/>
+                  <a:pt x="67822" y="685956"/>
+                </a:cubicBezTo>
+                <a:cubicBezTo>
+                  <a:pt x="70206" y="688936"/>
+                  <a:pt x="74416" y="689863"/>
+                  <a:pt x="77347" y="692306"/>
+                </a:cubicBezTo>
+                <a:cubicBezTo>
+                  <a:pt x="80796" y="695181"/>
+                  <a:pt x="83463" y="698909"/>
+                  <a:pt x="86872" y="701831"/>
+                </a:cubicBezTo>
+                <a:cubicBezTo>
+                  <a:pt x="98412" y="711723"/>
+                  <a:pt x="99263" y="711201"/>
+                  <a:pt x="112272" y="717706"/>
+                </a:cubicBezTo>
+                <a:cubicBezTo>
+                  <a:pt x="113330" y="720881"/>
+                  <a:pt x="113080" y="724864"/>
+                  <a:pt x="115447" y="727231"/>
+                </a:cubicBezTo>
+                <a:cubicBezTo>
+                  <a:pt x="116965" y="728749"/>
+                  <a:pt x="137562" y="733554"/>
+                  <a:pt x="137672" y="733581"/>
+                </a:cubicBezTo>
+                <a:cubicBezTo>
+                  <a:pt x="140847" y="735698"/>
+                  <a:pt x="143690" y="738428"/>
+                  <a:pt x="147197" y="739931"/>
+                </a:cubicBezTo>
+                <a:cubicBezTo>
+                  <a:pt x="151208" y="741650"/>
+                  <a:pt x="156108" y="740941"/>
+                  <a:pt x="159897" y="743106"/>
+                </a:cubicBezTo>
+                <a:cubicBezTo>
+                  <a:pt x="163796" y="745334"/>
+                  <a:pt x="165768" y="750021"/>
+                  <a:pt x="169422" y="752631"/>
+                </a:cubicBezTo>
+                <a:cubicBezTo>
+                  <a:pt x="173273" y="755382"/>
+                  <a:pt x="178013" y="756633"/>
+                  <a:pt x="182122" y="758981"/>
+                </a:cubicBezTo>
+                <a:cubicBezTo>
+                  <a:pt x="185435" y="760874"/>
+                  <a:pt x="188472" y="763214"/>
+                  <a:pt x="191647" y="765331"/>
+                </a:cubicBezTo>
+                <a:cubicBezTo>
+                  <a:pt x="193764" y="769564"/>
+                  <a:pt x="194650" y="774684"/>
+                  <a:pt x="197997" y="778031"/>
+                </a:cubicBezTo>
+                <a:cubicBezTo>
+                  <a:pt x="201344" y="781378"/>
+                  <a:pt x="206588" y="782033"/>
+                  <a:pt x="210697" y="784381"/>
+                </a:cubicBezTo>
+                <a:cubicBezTo>
+                  <a:pt x="214010" y="786274"/>
+                  <a:pt x="217117" y="788513"/>
+                  <a:pt x="220222" y="790731"/>
+                </a:cubicBezTo>
+                <a:cubicBezTo>
+                  <a:pt x="224528" y="793807"/>
+                  <a:pt x="228904" y="796812"/>
+                  <a:pt x="232922" y="800256"/>
+                </a:cubicBezTo>
+                <a:cubicBezTo>
+                  <a:pt x="236331" y="803178"/>
+                  <a:pt x="238522" y="807600"/>
+                  <a:pt x="242447" y="809781"/>
+                </a:cubicBezTo>
+                <a:cubicBezTo>
+                  <a:pt x="248771" y="813295"/>
+                  <a:pt x="265998" y="817256"/>
+                  <a:pt x="274197" y="819306"/>
+                </a:cubicBezTo>
+                <a:cubicBezTo>
+                  <a:pt x="289440" y="818409"/>
+                  <a:pt x="333661" y="819151"/>
+                  <a:pt x="353572" y="809781"/>
+                </a:cubicBezTo>
+                <a:cubicBezTo>
+                  <a:pt x="363930" y="804907"/>
+                  <a:pt x="382147" y="790731"/>
+                  <a:pt x="382147" y="790731"/>
+                </a:cubicBezTo>
+                <a:cubicBezTo>
+                  <a:pt x="384264" y="787556"/>
+                  <a:pt x="386688" y="784566"/>
+                  <a:pt x="388497" y="781206"/>
+                </a:cubicBezTo>
+                <a:cubicBezTo>
+                  <a:pt x="394107" y="770788"/>
+                  <a:pt x="404372" y="749456"/>
+                  <a:pt x="404372" y="749456"/>
+                </a:cubicBezTo>
+                <a:cubicBezTo>
+                  <a:pt x="405430" y="743106"/>
+                  <a:pt x="406906" y="736812"/>
+                  <a:pt x="407547" y="730406"/>
+                </a:cubicBezTo>
+                <a:cubicBezTo>
+                  <a:pt x="409025" y="715625"/>
+                  <a:pt x="408518" y="700646"/>
+                  <a:pt x="410722" y="685956"/>
+                </a:cubicBezTo>
+                <a:cubicBezTo>
+                  <a:pt x="411715" y="679337"/>
+                  <a:pt x="415449" y="673400"/>
+                  <a:pt x="417072" y="666906"/>
+                </a:cubicBezTo>
+                <a:lnTo>
+                  <a:pt x="420247" y="654206"/>
+                </a:lnTo>
+                <a:cubicBezTo>
+                  <a:pt x="432354" y="466548"/>
+                  <a:pt x="429364" y="551070"/>
+                  <a:pt x="423422" y="250981"/>
+                </a:cubicBezTo>
+                <a:cubicBezTo>
+                  <a:pt x="423315" y="245586"/>
+                  <a:pt x="421068" y="240440"/>
+                  <a:pt x="420247" y="235106"/>
+                </a:cubicBezTo>
+                <a:cubicBezTo>
+                  <a:pt x="418950" y="226673"/>
+                  <a:pt x="418130" y="218173"/>
+                  <a:pt x="417072" y="209706"/>
+                </a:cubicBezTo>
+                <a:cubicBezTo>
+                  <a:pt x="416014" y="179014"/>
+                  <a:pt x="415034" y="148320"/>
+                  <a:pt x="413897" y="117631"/>
+                </a:cubicBezTo>
+                <a:cubicBezTo>
+                  <a:pt x="412917" y="91170"/>
+                  <a:pt x="417144" y="63945"/>
+                  <a:pt x="410722" y="38256"/>
+                </a:cubicBezTo>
+                <a:cubicBezTo>
+                  <a:pt x="409000" y="31368"/>
+                  <a:pt x="397488" y="32802"/>
+                  <a:pt x="391672" y="28731"/>
+                </a:cubicBezTo>
+                <a:cubicBezTo>
+                  <a:pt x="386767" y="25298"/>
+                  <a:pt x="384049" y="19204"/>
+                  <a:pt x="378972" y="16031"/>
+                </a:cubicBezTo>
+                <a:cubicBezTo>
+                  <a:pt x="375272" y="13718"/>
+                  <a:pt x="370468" y="14055"/>
+                  <a:pt x="366272" y="12856"/>
+                </a:cubicBezTo>
+                <a:cubicBezTo>
+                  <a:pt x="350666" y="8397"/>
+                  <a:pt x="361002" y="10041"/>
+                  <a:pt x="340872" y="3331"/>
+                </a:cubicBezTo>
+                <a:cubicBezTo>
+                  <a:pt x="336732" y="1951"/>
+                  <a:pt x="332405" y="1214"/>
+                  <a:pt x="328172" y="156"/>
+                </a:cubicBezTo>
+                <a:cubicBezTo>
+                  <a:pt x="315472" y="1214"/>
+                  <a:pt x="301471" y="-2368"/>
+                  <a:pt x="290072" y="3331"/>
+                </a:cubicBezTo>
+                <a:cubicBezTo>
+                  <a:pt x="284085" y="6324"/>
+                  <a:pt x="286715" y="16394"/>
+                  <a:pt x="283722" y="22381"/>
+                </a:cubicBezTo>
+                <a:cubicBezTo>
+                  <a:pt x="281605" y="26614"/>
+                  <a:pt x="279671" y="30944"/>
+                  <a:pt x="277372" y="35081"/>
+                </a:cubicBezTo>
+                <a:cubicBezTo>
+                  <a:pt x="274375" y="40476"/>
+                  <a:pt x="271863" y="46271"/>
+                  <a:pt x="267847" y="50956"/>
+                </a:cubicBezTo>
+                <a:cubicBezTo>
+                  <a:pt x="257441" y="63096"/>
+                  <a:pt x="257263" y="62598"/>
+                  <a:pt x="251972" y="63656"/>
+                </a:cubicBezTo>
+                <a:close/>
+              </a:path>
+            </a:pathLst>
+          </a:custGeom>
+          <a:solidFill>
+            <a:schemeClr val="tx2"/>
+          </a:solidFill>
+          <a:ln>
+            <a:noFill/>
+          </a:ln>
+        </p:spPr>
+        <p:style>
+          <a:lnRef idx="2">
+            <a:schemeClr val="accent1">
+              <a:shade val="15000"/>
+            </a:schemeClr>
+          </a:lnRef>
+          <a:fillRef idx="1">
+            <a:schemeClr val="accent1"/>
+          </a:fillRef>
+          <a:effectRef idx="0">
+            <a:schemeClr val="accent1"/>
+          </a:effectRef>
+          <a:fontRef idx="minor">
+            <a:schemeClr val="lt1"/>
+          </a:fontRef>
+        </p:style>
+        <p:txBody>
+          <a:bodyPr rtlCol="0" anchor="ctr"/>
+          <a:lstStyle/>
+          <a:p>
+            <a:pPr algn="ctr"/>
+            <a:endParaRPr lang="en-GB"/>
+          </a:p>
+        </p:txBody>
+      </p:sp>
+      <p:pic>
+        <p:nvPicPr>
+          <p:cNvPr id="6" name="Picture 5" descr="A black background with a black square&#10;&#10;Description automatically generated with medium confidence">
+            <a:extLst>
+              <a:ext uri="{FF2B5EF4-FFF2-40B4-BE49-F238E27FC236}">
+                <a16:creationId xmlns:a16="http://schemas.microsoft.com/office/drawing/2014/main" id="{F83FE3D1-CDF2-219C-F330-57A18A844BAD}"/>
+              </a:ext>
+            </a:extLst>
+          </p:cNvPr>
+          <p:cNvPicPr>
+            <a:picLocks noChangeAspect="1"/>
+          </p:cNvPicPr>
+          <p:nvPr/>
+        </p:nvPicPr>
+        <p:blipFill>
+          <a:blip r:embed="rId8">
+            <a:extLst>
+              <a:ext uri="{28A0092B-C50C-407E-A947-70E740481C1C}">
+                <a14:useLocalDpi xmlns:a14="http://schemas.microsoft.com/office/drawing/2010/main" val="0"/>
+              </a:ext>
+            </a:extLst>
+          </a:blip>
+          <a:stretch>
+            <a:fillRect/>
+          </a:stretch>
+        </p:blipFill>
+        <p:spPr>
+          <a:xfrm>
+            <a:off x="4779502" y="3747874"/>
+            <a:ext cx="1269841" cy="1269841"/>
+          </a:xfrm>
+          <a:prstGeom prst="rect">
+            <a:avLst/>
+          </a:prstGeom>
+        </p:spPr>
+      </p:pic>
     </p:spTree>
     <p:extLst>
       <p:ext uri="{BB962C8B-B14F-4D97-AF65-F5344CB8AC3E}">
@@ -13914,7 +14709,7 @@
         </p:blipFill>
         <p:spPr bwMode="auto">
           <a:xfrm>
-            <a:off x="8715867" y="-2062524"/>
+            <a:off x="8391810" y="-1192901"/>
             <a:ext cx="3943350" cy="4286250"/>
           </a:xfrm>
           <a:prstGeom prst="rect">
